--- a/6_visualize/src/land_ownership_gb_gsl.pptx
+++ b/6_visualize/src/land_ownership_gb_gsl.pptx
@@ -3340,7 +3340,7 @@
             </a:pPr>
             <a:r>
               <a:rPr/>
-              <a:t>Saline Lakes Land Ownership Visualizations</a:t>
+              <a:t>Saline Lakes Land Ownership - Great Basin &amp; Great Salt Lake</a:t>
             </a:r>
           </a:p>
         </p:txBody>
